--- a/instructions-to-be-modified/instructions-to-be-modified.pptx
+++ b/instructions-to-be-modified/instructions-to-be-modified.pptx
@@ -109,6 +109,11 @@
       </a:defRPr>
     </a:lvl9pPr>
   </p:defaultTextStyle>
+  <p:extLst>
+    <p:ext uri="{EFAFB233-063F-42B5-8137-9DF3F51BA10A}">
+      <p15:sldGuideLst xmlns:p15="http://schemas.microsoft.com/office/powerpoint/2012/main"/>
+    </p:ext>
+  </p:extLst>
 </p:presentation>
 </file>
 
@@ -3459,7 +3464,39 @@
                   <a:schemeClr val="bg1"/>
                 </a:solidFill>
               </a:rPr>
-              <a:t>Per ciascun giocatore, puoi simulare un certo numero di partite utilizzando i tasti freccia della tastiera. Scegliendo «Gioca» (tasto freccia sinistra), simulerai una partita con la partecipazione di quel giocatore. Scegliendo «Non giocare» (tasto freccia destra), simulerai un gioco senza la partecipazione di quel giocatore.</a:t>
+              <a:t>Per ciascun giocatore, puoi simulare un certo numero di partite utilizzando i tasti freccia della tastiera. Scegliendo «Gioca» (tasto freccia sinistra), simulerai una partita </a:t>
+            </a:r>
+            <a:r>
+              <a:rPr lang="it-IT" b="1" u="sng" dirty="0" smtClean="0">
+                <a:solidFill>
+                  <a:schemeClr val="bg1"/>
+                </a:solidFill>
+              </a:rPr>
+              <a:t>con</a:t>
+            </a:r>
+            <a:r>
+              <a:rPr lang="it-IT" dirty="0" smtClean="0">
+                <a:solidFill>
+                  <a:schemeClr val="bg1"/>
+                </a:solidFill>
+              </a:rPr>
+              <a:t> la partecipazione di quel giocatore. Scegliendo «Non giocare» (tasto freccia destra), simulerai un gioco </a:t>
+            </a:r>
+            <a:r>
+              <a:rPr lang="it-IT" b="1" u="sng" dirty="0" smtClean="0">
+                <a:solidFill>
+                  <a:schemeClr val="bg1"/>
+                </a:solidFill>
+              </a:rPr>
+              <a:t>senza</a:t>
+            </a:r>
+            <a:r>
+              <a:rPr lang="it-IT" dirty="0" smtClean="0">
+                <a:solidFill>
+                  <a:schemeClr val="bg1"/>
+                </a:solidFill>
+              </a:rPr>
+              <a:t> la partecipazione di quel giocatore.</a:t>
             </a:r>
             <a:endParaRPr lang="it-IT" dirty="0">
               <a:solidFill>
@@ -3911,9 +3948,33 @@
                   <a:schemeClr val="bg1"/>
                 </a:solidFill>
               </a:rPr>
-              <a:t>Una volta scelto, una faccina sorridente indicherà che la partita al quale hai deciso di fare o meno partecipare il giocatore è stata vinta; una faccina triste indicherà che la partita è stata persa.</a:t>
-            </a:r>
-            <a:endParaRPr lang="it-IT" dirty="0">
+              <a:t>Una volta scelto, una faccina sorridente indicherà che la partita nella quale hai deciso di fare partecipare o meno il giocatore è stata </a:t>
+            </a:r>
+            <a:r>
+              <a:rPr lang="it-IT" b="1" u="sng" dirty="0" smtClean="0">
+                <a:solidFill>
+                  <a:schemeClr val="bg1"/>
+                </a:solidFill>
+              </a:rPr>
+              <a:t>vinta;</a:t>
+            </a:r>
+            <a:r>
+              <a:rPr lang="it-IT" dirty="0" smtClean="0">
+                <a:solidFill>
+                  <a:schemeClr val="bg1"/>
+                </a:solidFill>
+              </a:rPr>
+              <a:t> una faccina triste indicherà che la partita è stata </a:t>
+            </a:r>
+            <a:r>
+              <a:rPr lang="it-IT" b="1" u="sng" dirty="0" smtClean="0">
+                <a:solidFill>
+                  <a:schemeClr val="bg1"/>
+                </a:solidFill>
+              </a:rPr>
+              <a:t>persa.</a:t>
+            </a:r>
+            <a:endParaRPr lang="it-IT" b="1" u="sng" dirty="0">
               <a:solidFill>
                 <a:schemeClr val="bg1"/>
               </a:solidFill>
@@ -4483,7 +4544,23 @@
                   <a:schemeClr val="bg1"/>
                 </a:solidFill>
               </a:rPr>
-              <a:t>La scelta di far giocare o non far giocare il giocatore dovrà avvenire entro un limite di tempo: se non scegli abbastanza in fretta, comparirà un punto di domanda.</a:t>
+              <a:t>La scelta di far giocare o non far giocare il giocatore dovrà avvenire entro un limite di tempo. </a:t>
+            </a:r>
+            <a:r>
+              <a:rPr lang="it-IT" dirty="0">
+                <a:solidFill>
+                  <a:schemeClr val="bg1"/>
+                </a:solidFill>
+              </a:rPr>
+              <a:t>S</a:t>
+            </a:r>
+            <a:r>
+              <a:rPr lang="it-IT" dirty="0" smtClean="0">
+                <a:solidFill>
+                  <a:schemeClr val="bg1"/>
+                </a:solidFill>
+              </a:rPr>
+              <a:t>e non scegli abbastanza in fretta, comparirà un punto di domanda.</a:t>
             </a:r>
             <a:endParaRPr lang="it-IT" dirty="0">
               <a:solidFill>
@@ -4973,7 +5050,7 @@
                   <a:schemeClr val="bg1"/>
                 </a:solidFill>
               </a:rPr>
-              <a:t>La posizione dei tasti «Gioca» e «Non giocare» potrà cambiare tra i vari giocatori che testerai:</a:t>
+              <a:t>La posizione dei tasti «Gioca» e «Non giocare» potrà cambiare tra i vari giocatori che testerai.</a:t>
             </a:r>
           </a:p>
           <a:p>
@@ -6204,8 +6281,37 @@
                   <a:schemeClr val="bg1"/>
                 </a:solidFill>
               </a:rPr>
-              <a:t>Premi il tasto -&gt; per passare alla schermata successiva o il tasto &lt;- per tornare a quella precedente.</a:t>
-            </a:r>
+              <a:t>Premi il tasto -&gt; per passare alla schermata successiva o il tasto </a:t>
+            </a:r>
+            <a:r>
+              <a:rPr lang="it-IT" sz="1800" dirty="0" smtClean="0">
+                <a:solidFill>
+                  <a:schemeClr val="bg1"/>
+                </a:solidFill>
+              </a:rPr>
+              <a:t>SPAZIO </a:t>
+            </a:r>
+            <a:r>
+              <a:rPr lang="it-IT" sz="1800" dirty="0" smtClean="0">
+                <a:solidFill>
+                  <a:schemeClr val="bg1"/>
+                </a:solidFill>
+              </a:rPr>
+              <a:t>per </a:t>
+            </a:r>
+            <a:r>
+              <a:rPr lang="it-IT" sz="1800" dirty="0" smtClean="0">
+                <a:solidFill>
+                  <a:schemeClr val="bg1"/>
+                </a:solidFill>
+              </a:rPr>
+              <a:t>cominciare con una fase di prova.</a:t>
+            </a:r>
+            <a:endParaRPr lang="it-IT" sz="1800" dirty="0" smtClean="0">
+              <a:solidFill>
+                <a:schemeClr val="bg1"/>
+              </a:solidFill>
+            </a:endParaRPr>
           </a:p>
           <a:p>
             <a:pPr algn="l"/>

--- a/instructions-to-be-modified/instructions-to-be-modified.pptx
+++ b/instructions-to-be-modified/instructions-to-be-modified.pptx
@@ -5,12 +5,13 @@
     <p:sldMasterId id="2147483648" r:id="rId1"/>
   </p:sldMasterIdLst>
   <p:sldIdLst>
-    <p:sldId id="256" r:id="rId2"/>
+    <p:sldId id="263" r:id="rId2"/>
     <p:sldId id="258" r:id="rId3"/>
     <p:sldId id="259" r:id="rId4"/>
     <p:sldId id="260" r:id="rId5"/>
     <p:sldId id="261" r:id="rId6"/>
     <p:sldId id="257" r:id="rId7"/>
+    <p:sldId id="262" r:id="rId8"/>
   </p:sldIdLst>
   <p:sldSz cx="12192000" cy="6858000"/>
   <p:notesSz cx="6858000" cy="9144000"/>
@@ -248,7 +249,7 @@
           <a:p>
             <a:fld id="{411CF7BA-CAA9-4FAF-9ADF-BD3C6482FA6C}" type="datetimeFigureOut">
               <a:rPr lang="it-IT" smtClean="0"/>
-              <a:t>02/04/2017</a:t>
+              <a:t>03/04/2017</a:t>
             </a:fld>
             <a:endParaRPr lang="it-IT"/>
           </a:p>
@@ -418,7 +419,7 @@
           <a:p>
             <a:fld id="{411CF7BA-CAA9-4FAF-9ADF-BD3C6482FA6C}" type="datetimeFigureOut">
               <a:rPr lang="it-IT" smtClean="0"/>
-              <a:t>02/04/2017</a:t>
+              <a:t>03/04/2017</a:t>
             </a:fld>
             <a:endParaRPr lang="it-IT"/>
           </a:p>
@@ -598,7 +599,7 @@
           <a:p>
             <a:fld id="{411CF7BA-CAA9-4FAF-9ADF-BD3C6482FA6C}" type="datetimeFigureOut">
               <a:rPr lang="it-IT" smtClean="0"/>
-              <a:t>02/04/2017</a:t>
+              <a:t>03/04/2017</a:t>
             </a:fld>
             <a:endParaRPr lang="it-IT"/>
           </a:p>
@@ -768,7 +769,7 @@
           <a:p>
             <a:fld id="{411CF7BA-CAA9-4FAF-9ADF-BD3C6482FA6C}" type="datetimeFigureOut">
               <a:rPr lang="it-IT" smtClean="0"/>
-              <a:t>02/04/2017</a:t>
+              <a:t>03/04/2017</a:t>
             </a:fld>
             <a:endParaRPr lang="it-IT"/>
           </a:p>
@@ -1014,7 +1015,7 @@
           <a:p>
             <a:fld id="{411CF7BA-CAA9-4FAF-9ADF-BD3C6482FA6C}" type="datetimeFigureOut">
               <a:rPr lang="it-IT" smtClean="0"/>
-              <a:t>02/04/2017</a:t>
+              <a:t>03/04/2017</a:t>
             </a:fld>
             <a:endParaRPr lang="it-IT"/>
           </a:p>
@@ -1246,7 +1247,7 @@
           <a:p>
             <a:fld id="{411CF7BA-CAA9-4FAF-9ADF-BD3C6482FA6C}" type="datetimeFigureOut">
               <a:rPr lang="it-IT" smtClean="0"/>
-              <a:t>02/04/2017</a:t>
+              <a:t>03/04/2017</a:t>
             </a:fld>
             <a:endParaRPr lang="it-IT"/>
           </a:p>
@@ -1613,7 +1614,7 @@
           <a:p>
             <a:fld id="{411CF7BA-CAA9-4FAF-9ADF-BD3C6482FA6C}" type="datetimeFigureOut">
               <a:rPr lang="it-IT" smtClean="0"/>
-              <a:t>02/04/2017</a:t>
+              <a:t>03/04/2017</a:t>
             </a:fld>
             <a:endParaRPr lang="it-IT"/>
           </a:p>
@@ -1731,7 +1732,7 @@
           <a:p>
             <a:fld id="{411CF7BA-CAA9-4FAF-9ADF-BD3C6482FA6C}" type="datetimeFigureOut">
               <a:rPr lang="it-IT" smtClean="0"/>
-              <a:t>02/04/2017</a:t>
+              <a:t>03/04/2017</a:t>
             </a:fld>
             <a:endParaRPr lang="it-IT"/>
           </a:p>
@@ -1826,7 +1827,7 @@
           <a:p>
             <a:fld id="{411CF7BA-CAA9-4FAF-9ADF-BD3C6482FA6C}" type="datetimeFigureOut">
               <a:rPr lang="it-IT" smtClean="0"/>
-              <a:t>02/04/2017</a:t>
+              <a:t>03/04/2017</a:t>
             </a:fld>
             <a:endParaRPr lang="it-IT"/>
           </a:p>
@@ -2103,7 +2104,7 @@
           <a:p>
             <a:fld id="{411CF7BA-CAA9-4FAF-9ADF-BD3C6482FA6C}" type="datetimeFigureOut">
               <a:rPr lang="it-IT" smtClean="0"/>
-              <a:t>02/04/2017</a:t>
+              <a:t>03/04/2017</a:t>
             </a:fld>
             <a:endParaRPr lang="it-IT"/>
           </a:p>
@@ -2356,7 +2357,7 @@
           <a:p>
             <a:fld id="{411CF7BA-CAA9-4FAF-9ADF-BD3C6482FA6C}" type="datetimeFigureOut">
               <a:rPr lang="it-IT" smtClean="0"/>
-              <a:t>02/04/2017</a:t>
+              <a:t>03/04/2017</a:t>
             </a:fld>
             <a:endParaRPr lang="it-IT"/>
           </a:p>
@@ -2569,7 +2570,7 @@
           <a:p>
             <a:fld id="{411CF7BA-CAA9-4FAF-9ADF-BD3C6482FA6C}" type="datetimeFigureOut">
               <a:rPr lang="it-IT" smtClean="0"/>
-              <a:t>02/04/2017</a:t>
+              <a:t>03/04/2017</a:t>
             </a:fld>
             <a:endParaRPr lang="it-IT"/>
           </a:p>
@@ -3042,7 +3043,7 @@
           <a:p>
             <a:pPr algn="l"/>
             <a:r>
-              <a:rPr lang="it-IT" dirty="0" smtClean="0">
+              <a:rPr lang="it-IT" dirty="0">
                 <a:solidFill>
                   <a:schemeClr val="bg1"/>
                 </a:solidFill>
@@ -3053,7 +3054,7 @@
           <a:p>
             <a:pPr algn="l"/>
             <a:r>
-              <a:rPr lang="it-IT" dirty="0" smtClean="0">
+              <a:rPr lang="it-IT" dirty="0">
                 <a:solidFill>
                   <a:schemeClr val="bg1"/>
                 </a:solidFill>
@@ -3064,7 +3065,7 @@
           <a:p>
             <a:pPr algn="l"/>
             <a:r>
-              <a:rPr lang="it-IT" dirty="0" smtClean="0">
+              <a:rPr lang="it-IT" dirty="0">
                 <a:solidFill>
                   <a:schemeClr val="bg1"/>
                 </a:solidFill>
@@ -3115,8 +3116,8 @@
         </p:nvSpPr>
         <p:spPr>
           <a:xfrm>
-            <a:off x="885825" y="4240212"/>
-            <a:ext cx="10696575" cy="2398713"/>
+            <a:off x="-228600" y="4240212"/>
+            <a:ext cx="12239625" cy="2398713"/>
           </a:xfrm>
           <a:prstGeom prst="rect">
             <a:avLst/>
@@ -3318,19 +3319,16 @@
                   <a:schemeClr val="bg1"/>
                 </a:solidFill>
               </a:rPr>
-              <a:t>Premi il tasto -&gt; per passare alla schermata successiva.</a:t>
-            </a:r>
-          </a:p>
-          <a:p>
-            <a:pPr algn="l"/>
-            <a:endParaRPr lang="it-IT" dirty="0" smtClean="0">
-              <a:solidFill>
-                <a:schemeClr val="bg1"/>
-              </a:solidFill>
-            </a:endParaRPr>
-          </a:p>
-          <a:p>
-            <a:pPr algn="l"/>
+              <a:t>Premi il tasto -&gt; per passare alla schermata </a:t>
+            </a:r>
+            <a:r>
+              <a:rPr lang="it-IT" sz="1800" dirty="0" smtClean="0">
+                <a:solidFill>
+                  <a:schemeClr val="bg1"/>
+                </a:solidFill>
+              </a:rPr>
+              <a:t>successiva.</a:t>
+            </a:r>
             <a:endParaRPr lang="it-IT" dirty="0" smtClean="0">
               <a:solidFill>
                 <a:schemeClr val="bg1"/>
@@ -3357,7 +3355,7 @@
     </p:spTree>
     <p:extLst>
       <p:ext uri="{BB962C8B-B14F-4D97-AF65-F5344CB8AC3E}">
-        <p14:creationId xmlns:p14="http://schemas.microsoft.com/office/powerpoint/2010/main" val="955221339"/>
+        <p14:creationId xmlns:p14="http://schemas.microsoft.com/office/powerpoint/2010/main" val="3258378955"/>
       </p:ext>
     </p:extLst>
   </p:cSld>
@@ -6281,45 +6279,16 @@
                   <a:schemeClr val="bg1"/>
                 </a:solidFill>
               </a:rPr>
-              <a:t>Premi il tasto -&gt; per passare alla schermata successiva o il tasto </a:t>
-            </a:r>
-            <a:r>
-              <a:rPr lang="it-IT" sz="1800" dirty="0" smtClean="0">
+              <a:t>Premi il tasto -&gt; per passare alla schermata successiva </a:t>
+            </a:r>
+            <a:r>
+              <a:rPr lang="it-IT" sz="1800" dirty="0">
                 <a:solidFill>
                   <a:schemeClr val="bg1"/>
                 </a:solidFill>
               </a:rPr>
-              <a:t>SPAZIO </a:t>
-            </a:r>
-            <a:r>
-              <a:rPr lang="it-IT" sz="1800" dirty="0" smtClean="0">
-                <a:solidFill>
-                  <a:schemeClr val="bg1"/>
-                </a:solidFill>
-              </a:rPr>
-              <a:t>per </a:t>
-            </a:r>
-            <a:r>
-              <a:rPr lang="it-IT" sz="1800" dirty="0" smtClean="0">
-                <a:solidFill>
-                  <a:schemeClr val="bg1"/>
-                </a:solidFill>
-              </a:rPr>
-              <a:t>cominciare con una fase di prova.</a:t>
-            </a:r>
-            <a:endParaRPr lang="it-IT" sz="1800" dirty="0" smtClean="0">
-              <a:solidFill>
-                <a:schemeClr val="bg1"/>
-              </a:solidFill>
-            </a:endParaRPr>
-          </a:p>
-          <a:p>
-            <a:pPr algn="l"/>
-            <a:endParaRPr lang="it-IT" dirty="0" smtClean="0">
-              <a:solidFill>
-                <a:schemeClr val="bg1"/>
-              </a:solidFill>
-            </a:endParaRPr>
+              <a:t>o il tasto &lt;- per tornare a quella precedente.</a:t>
+            </a:r>
           </a:p>
           <a:p>
             <a:pPr algn="l"/>
@@ -6350,6 +6319,432 @@
     <p:extLst>
       <p:ext uri="{BB962C8B-B14F-4D97-AF65-F5344CB8AC3E}">
         <p14:creationId xmlns:p14="http://schemas.microsoft.com/office/powerpoint/2010/main" val="611581335"/>
+      </p:ext>
+    </p:extLst>
+  </p:cSld>
+  <p:clrMapOvr>
+    <a:masterClrMapping/>
+  </p:clrMapOvr>
+  <p:timing>
+    <p:tnLst>
+      <p:par>
+        <p:cTn id="1" dur="indefinite" restart="never" nodeType="tmRoot"/>
+      </p:par>
+    </p:tnLst>
+  </p:timing>
+</p:sld>
+</file>
+
+<file path=ppt/slides/slide7.xml><?xml version="1.0" encoding="utf-8"?>
+<p:sld xmlns:a="http://schemas.openxmlformats.org/drawingml/2006/main" xmlns:r="http://schemas.openxmlformats.org/officeDocument/2006/relationships" xmlns:p="http://schemas.openxmlformats.org/presentationml/2006/main">
+  <p:cSld>
+    <p:bg>
+      <p:bgPr>
+        <a:solidFill>
+          <a:schemeClr val="tx1"/>
+        </a:solidFill>
+        <a:effectLst/>
+      </p:bgPr>
+    </p:bg>
+    <p:spTree>
+      <p:nvGrpSpPr>
+        <p:cNvPr id="1" name=""/>
+        <p:cNvGrpSpPr/>
+        <p:nvPr/>
+      </p:nvGrpSpPr>
+      <p:grpSpPr>
+        <a:xfrm>
+          <a:off x="0" y="0"/>
+          <a:ext cx="0" cy="0"/>
+          <a:chOff x="0" y="0"/>
+          <a:chExt cx="0" cy="0"/>
+        </a:xfrm>
+      </p:grpSpPr>
+      <p:sp>
+        <p:nvSpPr>
+          <p:cNvPr id="2" name="Title 1"/>
+          <p:cNvSpPr>
+            <a:spLocks noGrp="1"/>
+          </p:cNvSpPr>
+          <p:nvPr>
+            <p:ph type="ctrTitle"/>
+          </p:nvPr>
+        </p:nvSpPr>
+        <p:spPr>
+          <a:xfrm>
+            <a:off x="1524000" y="295274"/>
+            <a:ext cx="9144000" cy="1509713"/>
+          </a:xfrm>
+        </p:spPr>
+        <p:txBody>
+          <a:bodyPr/>
+          <a:lstStyle/>
+          <a:p>
+            <a:r>
+              <a:rPr lang="it-IT" dirty="0" smtClean="0">
+                <a:solidFill>
+                  <a:schemeClr val="bg1"/>
+                </a:solidFill>
+              </a:rPr>
+              <a:t>FINE DELLE ISTRUZIONI</a:t>
+            </a:r>
+            <a:endParaRPr lang="it-IT" dirty="0">
+              <a:solidFill>
+                <a:schemeClr val="bg1"/>
+              </a:solidFill>
+            </a:endParaRPr>
+          </a:p>
+        </p:txBody>
+      </p:sp>
+      <p:sp>
+        <p:nvSpPr>
+          <p:cNvPr id="3" name="Subtitle 2"/>
+          <p:cNvSpPr>
+            <a:spLocks noGrp="1"/>
+          </p:cNvSpPr>
+          <p:nvPr>
+            <p:ph type="subTitle" idx="1"/>
+          </p:nvPr>
+        </p:nvSpPr>
+        <p:spPr>
+          <a:xfrm>
+            <a:off x="885825" y="2363787"/>
+            <a:ext cx="10696575" cy="2398713"/>
+          </a:xfrm>
+        </p:spPr>
+        <p:txBody>
+          <a:bodyPr>
+            <a:normAutofit/>
+          </a:bodyPr>
+          <a:lstStyle/>
+          <a:p>
+            <a:r>
+              <a:rPr lang="it-IT" dirty="0">
+                <a:solidFill>
+                  <a:schemeClr val="bg1"/>
+                </a:solidFill>
+              </a:rPr>
+              <a:t>Premi il tasto </a:t>
+            </a:r>
+            <a:r>
+              <a:rPr lang="it-IT" dirty="0" smtClean="0">
+                <a:solidFill>
+                  <a:schemeClr val="bg1"/>
+                </a:solidFill>
+              </a:rPr>
+              <a:t>&lt;- </a:t>
+            </a:r>
+            <a:r>
+              <a:rPr lang="it-IT" dirty="0">
+                <a:solidFill>
+                  <a:schemeClr val="bg1"/>
+                </a:solidFill>
+              </a:rPr>
+              <a:t>per </a:t>
+            </a:r>
+            <a:r>
+              <a:rPr lang="it-IT" dirty="0" smtClean="0">
+                <a:solidFill>
+                  <a:schemeClr val="bg1"/>
+                </a:solidFill>
+              </a:rPr>
+              <a:t>tornare alla schermata precedente</a:t>
+            </a:r>
+          </a:p>
+          <a:p>
+            <a:r>
+              <a:rPr lang="it-IT" dirty="0" smtClean="0">
+                <a:solidFill>
+                  <a:schemeClr val="bg1"/>
+                </a:solidFill>
+              </a:rPr>
+              <a:t>o </a:t>
+            </a:r>
+            <a:r>
+              <a:rPr lang="it-IT" dirty="0">
+                <a:solidFill>
+                  <a:schemeClr val="bg1"/>
+                </a:solidFill>
+              </a:rPr>
+              <a:t>il tasto SPAZIO per cominciare con una fase di prova.</a:t>
+            </a:r>
+          </a:p>
+          <a:p>
+            <a:pPr algn="l"/>
+            <a:endParaRPr lang="it-IT" dirty="0">
+              <a:solidFill>
+                <a:schemeClr val="bg1"/>
+              </a:solidFill>
+            </a:endParaRPr>
+          </a:p>
+          <a:p>
+            <a:pPr algn="l"/>
+            <a:endParaRPr lang="it-IT" dirty="0" smtClean="0">
+              <a:solidFill>
+                <a:schemeClr val="bg1"/>
+              </a:solidFill>
+            </a:endParaRPr>
+          </a:p>
+          <a:p>
+            <a:pPr algn="l"/>
+            <a:endParaRPr lang="it-IT" dirty="0">
+              <a:solidFill>
+                <a:schemeClr val="bg1"/>
+              </a:solidFill>
+            </a:endParaRPr>
+          </a:p>
+          <a:p>
+            <a:endParaRPr lang="it-IT" dirty="0">
+              <a:solidFill>
+                <a:schemeClr val="bg1"/>
+              </a:solidFill>
+            </a:endParaRPr>
+          </a:p>
+        </p:txBody>
+      </p:sp>
+      <p:sp>
+        <p:nvSpPr>
+          <p:cNvPr id="4" name="Subtitle 2"/>
+          <p:cNvSpPr txBox="1">
+            <a:spLocks/>
+          </p:cNvSpPr>
+          <p:nvPr/>
+        </p:nvSpPr>
+        <p:spPr>
+          <a:xfrm>
+            <a:off x="-228600" y="4240212"/>
+            <a:ext cx="12239625" cy="2398713"/>
+          </a:xfrm>
+          <a:prstGeom prst="rect">
+            <a:avLst/>
+          </a:prstGeom>
+        </p:spPr>
+        <p:txBody>
+          <a:bodyPr vert="horz" lIns="91440" tIns="45720" rIns="91440" bIns="45720" rtlCol="0">
+            <a:normAutofit/>
+          </a:bodyPr>
+          <a:lstStyle>
+            <a:lvl1pPr marL="0" indent="0" algn="ctr" defTabSz="914400" rtl="0" eaLnBrk="1" latinLnBrk="0" hangingPunct="1">
+              <a:lnSpc>
+                <a:spcPct val="90000"/>
+              </a:lnSpc>
+              <a:spcBef>
+                <a:spcPts val="1000"/>
+              </a:spcBef>
+              <a:buFont typeface="Arial" panose="020B0604020202020204" pitchFamily="34" charset="0"/>
+              <a:buNone/>
+              <a:defRPr sz="2400" kern="1200">
+                <a:solidFill>
+                  <a:schemeClr val="tx1"/>
+                </a:solidFill>
+                <a:latin typeface="+mn-lt"/>
+                <a:ea typeface="+mn-ea"/>
+                <a:cs typeface="+mn-cs"/>
+              </a:defRPr>
+            </a:lvl1pPr>
+            <a:lvl2pPr marL="457200" indent="0" algn="ctr" defTabSz="914400" rtl="0" eaLnBrk="1" latinLnBrk="0" hangingPunct="1">
+              <a:lnSpc>
+                <a:spcPct val="90000"/>
+              </a:lnSpc>
+              <a:spcBef>
+                <a:spcPts val="500"/>
+              </a:spcBef>
+              <a:buFont typeface="Arial" panose="020B0604020202020204" pitchFamily="34" charset="0"/>
+              <a:buNone/>
+              <a:defRPr sz="2000" kern="1200">
+                <a:solidFill>
+                  <a:schemeClr val="tx1"/>
+                </a:solidFill>
+                <a:latin typeface="+mn-lt"/>
+                <a:ea typeface="+mn-ea"/>
+                <a:cs typeface="+mn-cs"/>
+              </a:defRPr>
+            </a:lvl2pPr>
+            <a:lvl3pPr marL="914400" indent="0" algn="ctr" defTabSz="914400" rtl="0" eaLnBrk="1" latinLnBrk="0" hangingPunct="1">
+              <a:lnSpc>
+                <a:spcPct val="90000"/>
+              </a:lnSpc>
+              <a:spcBef>
+                <a:spcPts val="500"/>
+              </a:spcBef>
+              <a:buFont typeface="Arial" panose="020B0604020202020204" pitchFamily="34" charset="0"/>
+              <a:buNone/>
+              <a:defRPr sz="1800" kern="1200">
+                <a:solidFill>
+                  <a:schemeClr val="tx1"/>
+                </a:solidFill>
+                <a:latin typeface="+mn-lt"/>
+                <a:ea typeface="+mn-ea"/>
+                <a:cs typeface="+mn-cs"/>
+              </a:defRPr>
+            </a:lvl3pPr>
+            <a:lvl4pPr marL="1371600" indent="0" algn="ctr" defTabSz="914400" rtl="0" eaLnBrk="1" latinLnBrk="0" hangingPunct="1">
+              <a:lnSpc>
+                <a:spcPct val="90000"/>
+              </a:lnSpc>
+              <a:spcBef>
+                <a:spcPts val="500"/>
+              </a:spcBef>
+              <a:buFont typeface="Arial" panose="020B0604020202020204" pitchFamily="34" charset="0"/>
+              <a:buNone/>
+              <a:defRPr sz="1600" kern="1200">
+                <a:solidFill>
+                  <a:schemeClr val="tx1"/>
+                </a:solidFill>
+                <a:latin typeface="+mn-lt"/>
+                <a:ea typeface="+mn-ea"/>
+                <a:cs typeface="+mn-cs"/>
+              </a:defRPr>
+            </a:lvl4pPr>
+            <a:lvl5pPr marL="1828800" indent="0" algn="ctr" defTabSz="914400" rtl="0" eaLnBrk="1" latinLnBrk="0" hangingPunct="1">
+              <a:lnSpc>
+                <a:spcPct val="90000"/>
+              </a:lnSpc>
+              <a:spcBef>
+                <a:spcPts val="500"/>
+              </a:spcBef>
+              <a:buFont typeface="Arial" panose="020B0604020202020204" pitchFamily="34" charset="0"/>
+              <a:buNone/>
+              <a:defRPr sz="1600" kern="1200">
+                <a:solidFill>
+                  <a:schemeClr val="tx1"/>
+                </a:solidFill>
+                <a:latin typeface="+mn-lt"/>
+                <a:ea typeface="+mn-ea"/>
+                <a:cs typeface="+mn-cs"/>
+              </a:defRPr>
+            </a:lvl5pPr>
+            <a:lvl6pPr marL="2286000" indent="0" algn="ctr" defTabSz="914400" rtl="0" eaLnBrk="1" latinLnBrk="0" hangingPunct="1">
+              <a:lnSpc>
+                <a:spcPct val="90000"/>
+              </a:lnSpc>
+              <a:spcBef>
+                <a:spcPts val="500"/>
+              </a:spcBef>
+              <a:buFont typeface="Arial" panose="020B0604020202020204" pitchFamily="34" charset="0"/>
+              <a:buNone/>
+              <a:defRPr sz="1600" kern="1200">
+                <a:solidFill>
+                  <a:schemeClr val="tx1"/>
+                </a:solidFill>
+                <a:latin typeface="+mn-lt"/>
+                <a:ea typeface="+mn-ea"/>
+                <a:cs typeface="+mn-cs"/>
+              </a:defRPr>
+            </a:lvl6pPr>
+            <a:lvl7pPr marL="2743200" indent="0" algn="ctr" defTabSz="914400" rtl="0" eaLnBrk="1" latinLnBrk="0" hangingPunct="1">
+              <a:lnSpc>
+                <a:spcPct val="90000"/>
+              </a:lnSpc>
+              <a:spcBef>
+                <a:spcPts val="500"/>
+              </a:spcBef>
+              <a:buFont typeface="Arial" panose="020B0604020202020204" pitchFamily="34" charset="0"/>
+              <a:buNone/>
+              <a:defRPr sz="1600" kern="1200">
+                <a:solidFill>
+                  <a:schemeClr val="tx1"/>
+                </a:solidFill>
+                <a:latin typeface="+mn-lt"/>
+                <a:ea typeface="+mn-ea"/>
+                <a:cs typeface="+mn-cs"/>
+              </a:defRPr>
+            </a:lvl7pPr>
+            <a:lvl8pPr marL="3200400" indent="0" algn="ctr" defTabSz="914400" rtl="0" eaLnBrk="1" latinLnBrk="0" hangingPunct="1">
+              <a:lnSpc>
+                <a:spcPct val="90000"/>
+              </a:lnSpc>
+              <a:spcBef>
+                <a:spcPts val="500"/>
+              </a:spcBef>
+              <a:buFont typeface="Arial" panose="020B0604020202020204" pitchFamily="34" charset="0"/>
+              <a:buNone/>
+              <a:defRPr sz="1600" kern="1200">
+                <a:solidFill>
+                  <a:schemeClr val="tx1"/>
+                </a:solidFill>
+                <a:latin typeface="+mn-lt"/>
+                <a:ea typeface="+mn-ea"/>
+                <a:cs typeface="+mn-cs"/>
+              </a:defRPr>
+            </a:lvl8pPr>
+            <a:lvl9pPr marL="3657600" indent="0" algn="ctr" defTabSz="914400" rtl="0" eaLnBrk="1" latinLnBrk="0" hangingPunct="1">
+              <a:lnSpc>
+                <a:spcPct val="90000"/>
+              </a:lnSpc>
+              <a:spcBef>
+                <a:spcPts val="500"/>
+              </a:spcBef>
+              <a:buFont typeface="Arial" panose="020B0604020202020204" pitchFamily="34" charset="0"/>
+              <a:buNone/>
+              <a:defRPr sz="1600" kern="1200">
+                <a:solidFill>
+                  <a:schemeClr val="tx1"/>
+                </a:solidFill>
+                <a:latin typeface="+mn-lt"/>
+                <a:ea typeface="+mn-ea"/>
+                <a:cs typeface="+mn-cs"/>
+              </a:defRPr>
+            </a:lvl9pPr>
+          </a:lstStyle>
+          <a:p>
+            <a:endParaRPr lang="it-IT" dirty="0" smtClean="0">
+              <a:solidFill>
+                <a:schemeClr val="bg1"/>
+              </a:solidFill>
+            </a:endParaRPr>
+          </a:p>
+          <a:p>
+            <a:endParaRPr lang="it-IT" dirty="0">
+              <a:solidFill>
+                <a:schemeClr val="bg1"/>
+              </a:solidFill>
+            </a:endParaRPr>
+          </a:p>
+          <a:p>
+            <a:endParaRPr lang="it-IT" dirty="0" smtClean="0">
+              <a:solidFill>
+                <a:schemeClr val="bg1"/>
+              </a:solidFill>
+            </a:endParaRPr>
+          </a:p>
+          <a:p>
+            <a:pPr algn="l"/>
+            <a:endParaRPr lang="it-IT" dirty="0" smtClean="0">
+              <a:solidFill>
+                <a:schemeClr val="bg1"/>
+              </a:solidFill>
+            </a:endParaRPr>
+          </a:p>
+          <a:p>
+            <a:pPr algn="l"/>
+            <a:endParaRPr lang="it-IT" dirty="0" smtClean="0">
+              <a:solidFill>
+                <a:schemeClr val="bg1"/>
+              </a:solidFill>
+            </a:endParaRPr>
+          </a:p>
+          <a:p>
+            <a:pPr algn="l"/>
+            <a:endParaRPr lang="it-IT" dirty="0" smtClean="0">
+              <a:solidFill>
+                <a:schemeClr val="bg1"/>
+              </a:solidFill>
+            </a:endParaRPr>
+          </a:p>
+          <a:p>
+            <a:endParaRPr lang="it-IT" dirty="0">
+              <a:solidFill>
+                <a:schemeClr val="bg1"/>
+              </a:solidFill>
+            </a:endParaRPr>
+          </a:p>
+        </p:txBody>
+      </p:sp>
+    </p:spTree>
+    <p:extLst>
+      <p:ext uri="{BB962C8B-B14F-4D97-AF65-F5344CB8AC3E}">
+        <p14:creationId xmlns:p14="http://schemas.microsoft.com/office/powerpoint/2010/main" val="3644941110"/>
       </p:ext>
     </p:extLst>
   </p:cSld>

--- a/instructions-to-be-modified/instructions-to-be-modified.pptx
+++ b/instructions-to-be-modified/instructions-to-be-modified.pptx
@@ -249,7 +249,7 @@
           <a:p>
             <a:fld id="{411CF7BA-CAA9-4FAF-9ADF-BD3C6482FA6C}" type="datetimeFigureOut">
               <a:rPr lang="it-IT" smtClean="0"/>
-              <a:t>03/04/2017</a:t>
+              <a:t>04/04/2017</a:t>
             </a:fld>
             <a:endParaRPr lang="it-IT"/>
           </a:p>
@@ -419,7 +419,7 @@
           <a:p>
             <a:fld id="{411CF7BA-CAA9-4FAF-9ADF-BD3C6482FA6C}" type="datetimeFigureOut">
               <a:rPr lang="it-IT" smtClean="0"/>
-              <a:t>03/04/2017</a:t>
+              <a:t>04/04/2017</a:t>
             </a:fld>
             <a:endParaRPr lang="it-IT"/>
           </a:p>
@@ -599,7 +599,7 @@
           <a:p>
             <a:fld id="{411CF7BA-CAA9-4FAF-9ADF-BD3C6482FA6C}" type="datetimeFigureOut">
               <a:rPr lang="it-IT" smtClean="0"/>
-              <a:t>03/04/2017</a:t>
+              <a:t>04/04/2017</a:t>
             </a:fld>
             <a:endParaRPr lang="it-IT"/>
           </a:p>
@@ -769,7 +769,7 @@
           <a:p>
             <a:fld id="{411CF7BA-CAA9-4FAF-9ADF-BD3C6482FA6C}" type="datetimeFigureOut">
               <a:rPr lang="it-IT" smtClean="0"/>
-              <a:t>03/04/2017</a:t>
+              <a:t>04/04/2017</a:t>
             </a:fld>
             <a:endParaRPr lang="it-IT"/>
           </a:p>
@@ -1015,7 +1015,7 @@
           <a:p>
             <a:fld id="{411CF7BA-CAA9-4FAF-9ADF-BD3C6482FA6C}" type="datetimeFigureOut">
               <a:rPr lang="it-IT" smtClean="0"/>
-              <a:t>03/04/2017</a:t>
+              <a:t>04/04/2017</a:t>
             </a:fld>
             <a:endParaRPr lang="it-IT"/>
           </a:p>
@@ -1247,7 +1247,7 @@
           <a:p>
             <a:fld id="{411CF7BA-CAA9-4FAF-9ADF-BD3C6482FA6C}" type="datetimeFigureOut">
               <a:rPr lang="it-IT" smtClean="0"/>
-              <a:t>03/04/2017</a:t>
+              <a:t>04/04/2017</a:t>
             </a:fld>
             <a:endParaRPr lang="it-IT"/>
           </a:p>
@@ -1614,7 +1614,7 @@
           <a:p>
             <a:fld id="{411CF7BA-CAA9-4FAF-9ADF-BD3C6482FA6C}" type="datetimeFigureOut">
               <a:rPr lang="it-IT" smtClean="0"/>
-              <a:t>03/04/2017</a:t>
+              <a:t>04/04/2017</a:t>
             </a:fld>
             <a:endParaRPr lang="it-IT"/>
           </a:p>
@@ -1732,7 +1732,7 @@
           <a:p>
             <a:fld id="{411CF7BA-CAA9-4FAF-9ADF-BD3C6482FA6C}" type="datetimeFigureOut">
               <a:rPr lang="it-IT" smtClean="0"/>
-              <a:t>03/04/2017</a:t>
+              <a:t>04/04/2017</a:t>
             </a:fld>
             <a:endParaRPr lang="it-IT"/>
           </a:p>
@@ -1827,7 +1827,7 @@
           <a:p>
             <a:fld id="{411CF7BA-CAA9-4FAF-9ADF-BD3C6482FA6C}" type="datetimeFigureOut">
               <a:rPr lang="it-IT" smtClean="0"/>
-              <a:t>03/04/2017</a:t>
+              <a:t>04/04/2017</a:t>
             </a:fld>
             <a:endParaRPr lang="it-IT"/>
           </a:p>
@@ -2104,7 +2104,7 @@
           <a:p>
             <a:fld id="{411CF7BA-CAA9-4FAF-9ADF-BD3C6482FA6C}" type="datetimeFigureOut">
               <a:rPr lang="it-IT" smtClean="0"/>
-              <a:t>03/04/2017</a:t>
+              <a:t>04/04/2017</a:t>
             </a:fld>
             <a:endParaRPr lang="it-IT"/>
           </a:p>
@@ -2357,7 +2357,7 @@
           <a:p>
             <a:fld id="{411CF7BA-CAA9-4FAF-9ADF-BD3C6482FA6C}" type="datetimeFigureOut">
               <a:rPr lang="it-IT" smtClean="0"/>
-              <a:t>03/04/2017</a:t>
+              <a:t>04/04/2017</a:t>
             </a:fld>
             <a:endParaRPr lang="it-IT"/>
           </a:p>
@@ -2570,7 +2570,7 @@
           <a:p>
             <a:fld id="{411CF7BA-CAA9-4FAF-9ADF-BD3C6482FA6C}" type="datetimeFigureOut">
               <a:rPr lang="it-IT" smtClean="0"/>
-              <a:t>03/04/2017</a:t>
+              <a:t>04/04/2017</a:t>
             </a:fld>
             <a:endParaRPr lang="it-IT"/>
           </a:p>
@@ -3037,7 +3037,7 @@
         </p:spPr>
         <p:txBody>
           <a:bodyPr>
-            <a:normAutofit/>
+            <a:normAutofit lnSpcReduction="10000"/>
           </a:bodyPr>
           <a:lstStyle/>
           <a:p>
@@ -3070,8 +3070,32 @@
                   <a:schemeClr val="bg1"/>
                 </a:solidFill>
               </a:rPr>
-              <a:t>Per capire l’impatto di ciascun giocatore sulla performance della tua squadra, il computer ti permette di simulare delle partite con o senza la presenza del giocatore.</a:t>
-            </a:r>
+              <a:t>Per capire l’impatto di ciascun giocatore sulla performance della tua squadra, il computer ti permette di simulare delle partite con o senza la presenza del giocatore</a:t>
+            </a:r>
+            <a:r>
+              <a:rPr lang="it-IT" dirty="0" smtClean="0">
+                <a:solidFill>
+                  <a:schemeClr val="bg1"/>
+                </a:solidFill>
+              </a:rPr>
+              <a:t>.</a:t>
+            </a:r>
+          </a:p>
+          <a:p>
+            <a:pPr algn="l"/>
+            <a:r>
+              <a:rPr lang="it-IT" smtClean="0">
+                <a:solidFill>
+                  <a:schemeClr val="bg1"/>
+                </a:solidFill>
+              </a:rPr>
+              <a:t>Cambiamento!</a:t>
+            </a:r>
+            <a:endParaRPr lang="it-IT" dirty="0">
+              <a:solidFill>
+                <a:schemeClr val="bg1"/>
+              </a:solidFill>
+            </a:endParaRPr>
           </a:p>
           <a:p>
             <a:pPr algn="l"/>
@@ -3319,15 +3343,7 @@
                   <a:schemeClr val="bg1"/>
                 </a:solidFill>
               </a:rPr>
-              <a:t>Premi il tasto -&gt; per passare alla schermata </a:t>
-            </a:r>
-            <a:r>
-              <a:rPr lang="it-IT" sz="1800" dirty="0" smtClean="0">
-                <a:solidFill>
-                  <a:schemeClr val="bg1"/>
-                </a:solidFill>
-              </a:rPr>
-              <a:t>successiva.</a:t>
+              <a:t>Premi il tasto -&gt; per passare alla schermata successiva.</a:t>
             </a:r>
             <a:endParaRPr lang="it-IT" dirty="0" smtClean="0">
               <a:solidFill>
